--- a/Ethics_Bias_and_Fairness.pptx
+++ b/Ethics_Bias_and_Fairness.pptx
@@ -228,7 +228,7 @@
           <a:p>
             <a:fld id="{6EE7A52F-9D89-7442-A8E9-48D1527B5F6B}" type="datetimeFigureOut">
               <a:rPr lang="en-US" smtClean="0"/>
-              <a:t>8/8/2022</a:t>
+              <a:t>8/9/2022</a:t>
             </a:fld>
             <a:endParaRPr lang="en-US" dirty="0"/>
           </a:p>
@@ -8014,49 +8014,6 @@
             </a:pPr>
             <a:r>
               <a:rPr lang="en-US" sz="2200" i="0" kern="1200" dirty="0">
-                <a:effectLst/>
-                <a:latin typeface="+mj-lt"/>
-                <a:ea typeface="+mj-ea"/>
-                <a:cs typeface="+mj-cs"/>
-              </a:rPr>
-              <a:t>Avoid feature </a:t>
-            </a:r>
-            <a:r>
-              <a:rPr lang="en-US" sz="2200" dirty="0">
-                <a:latin typeface="+mj-lt"/>
-                <a:ea typeface="+mj-ea"/>
-                <a:cs typeface="+mj-cs"/>
-              </a:rPr>
-              <a:t>e</a:t>
-            </a:r>
-            <a:r>
-              <a:rPr lang="en-US" sz="2200" i="0" kern="1200" dirty="0">
-                <a:effectLst/>
-                <a:latin typeface="+mj-lt"/>
-                <a:ea typeface="+mj-ea"/>
-                <a:cs typeface="+mj-cs"/>
-              </a:rPr>
-              <a:t>ngineering </a:t>
-            </a:r>
-            <a:r>
-              <a:rPr lang="en-US" sz="2200" dirty="0">
-                <a:latin typeface="+mj-lt"/>
-                <a:ea typeface="+mj-ea"/>
-                <a:cs typeface="+mj-cs"/>
-              </a:rPr>
-              <a:t>b</a:t>
-            </a:r>
-            <a:r>
-              <a:rPr lang="en-US" sz="2200" i="0" kern="1200" dirty="0">
-                <a:effectLst/>
-                <a:latin typeface="+mj-lt"/>
-                <a:ea typeface="+mj-ea"/>
-                <a:cs typeface="+mj-cs"/>
-              </a:rPr>
-              <a:t>ias: </a:t>
-            </a:r>
-            <a:r>
-              <a:rPr lang="en-US" sz="2200" i="0" kern="1200" dirty="0">
                 <a:solidFill>
                   <a:schemeClr val="bg1"/>
                 </a:solidFill>
@@ -8065,7 +8022,7 @@
                 <a:ea typeface="+mn-ea"/>
                 <a:cs typeface="+mn-cs"/>
               </a:rPr>
-              <a:t>feature scaling is necessary to understand these features at the same scale.</a:t>
+              <a:t>Feature scaling is necessary to understand these features at the same scale.</a:t>
             </a:r>
           </a:p>
           <a:p>
@@ -8228,7 +8185,25 @@
                 </a:solidFill>
                 <a:latin typeface="EB Garamond" panose="020B0604020202020204" pitchFamily="2" charset="0"/>
               </a:rPr>
-              <a:t> If you rely on data collected via electronic or mechanical sensors, then equipment problems can introduce bias. This is often the hardest type of bias to detect and needs careful consideration, with investment in the latest digital and technology infrastructure. </a:t>
+              <a:t> If you rely on data collected via electronic or mechanical sensors, then equipment problems can introduce bias. This is often the </a:t>
+            </a:r>
+            <a:r>
+              <a:rPr lang="en-US" sz="2400" dirty="0">
+                <a:solidFill>
+                  <a:srgbClr val="FF0000"/>
+                </a:solidFill>
+                <a:latin typeface="EB Garamond" panose="020B0604020202020204" pitchFamily="2" charset="0"/>
+              </a:rPr>
+              <a:t>hardest type of bias </a:t>
+            </a:r>
+            <a:r>
+              <a:rPr lang="en-US" sz="2400" dirty="0">
+                <a:solidFill>
+                  <a:srgbClr val="000000"/>
+                </a:solidFill>
+                <a:latin typeface="EB Garamond" panose="020B0604020202020204" pitchFamily="2" charset="0"/>
+              </a:rPr>
+              <a:t>to detect and needs careful consideration, with investment in the latest digital and technology infrastructure. </a:t>
             </a:r>
           </a:p>
         </p:txBody>
@@ -9772,7 +9747,20 @@
                 <a:effectLst/>
                 <a:latin typeface="Roboto" panose="02000000000000000000" pitchFamily="2" charset="0"/>
               </a:rPr>
-              <a:t>How To Make ML Fairer?</a:t>
+              <a:t>How to </a:t>
+            </a:r>
+            <a:r>
+              <a:rPr lang="en-US" b="1" dirty="0">
+                <a:latin typeface="Roboto" panose="02000000000000000000" pitchFamily="2" charset="0"/>
+              </a:rPr>
+              <a:t>m</a:t>
+            </a:r>
+            <a:r>
+              <a:rPr lang="en-US" b="1" i="0" dirty="0">
+                <a:effectLst/>
+                <a:latin typeface="Roboto" panose="02000000000000000000" pitchFamily="2" charset="0"/>
+              </a:rPr>
+              <a:t>ake ML fairer?</a:t>
             </a:r>
           </a:p>
           <a:p>
@@ -9993,6 +9981,34 @@
           </a:p>
           <a:p>
             <a:pPr marL="285750" indent="-285750">
+              <a:buFont typeface="Wingdings" panose="05000000000000000000" pitchFamily="2" charset="2"/>
+              <a:buChar char="q"/>
+            </a:pPr>
+            <a:r>
+              <a:rPr lang="en-US" sz="2000" dirty="0">
+                <a:solidFill>
+                  <a:schemeClr val="bg1"/>
+                </a:solidFill>
+              </a:rPr>
+              <a:t>Perhaps we should call ML models recycled intelligence rather than artificial intelligence. </a:t>
+            </a:r>
+            <a:endParaRPr lang="en-US" sz="2000" dirty="0"/>
+          </a:p>
+          <a:p>
+            <a:pPr marL="0" indent="0">
+              <a:lnSpc>
+                <a:spcPct val="90000"/>
+              </a:lnSpc>
+              <a:buNone/>
+            </a:pPr>
+            <a:endParaRPr lang="en-US" sz="2000" dirty="0">
+              <a:solidFill>
+                <a:schemeClr val="bg1"/>
+              </a:solidFill>
+            </a:endParaRPr>
+          </a:p>
+          <a:p>
+            <a:pPr marL="285750" indent="-285750">
               <a:lnSpc>
                 <a:spcPct val="90000"/>
               </a:lnSpc>
@@ -10019,24 +10035,6 @@
                 <a:schemeClr val="bg1"/>
               </a:solidFill>
             </a:endParaRPr>
-          </a:p>
-          <a:p>
-            <a:pPr marL="285750" indent="-285750">
-              <a:lnSpc>
-                <a:spcPct val="90000"/>
-              </a:lnSpc>
-              <a:buFont typeface="Wingdings" panose="05000000000000000000" pitchFamily="2" charset="2"/>
-              <a:buChar char="q"/>
-            </a:pPr>
-            <a:r>
-              <a:rPr lang="en-US" sz="2000" dirty="0">
-                <a:solidFill>
-                  <a:schemeClr val="bg1"/>
-                </a:solidFill>
-              </a:rPr>
-              <a:t>Perhaps we should call ML models recycled intelligence rather than artificial intelligence. </a:t>
-            </a:r>
-            <a:endParaRPr lang="en-US" sz="2000" dirty="0"/>
           </a:p>
         </p:txBody>
       </p:sp>
@@ -10086,14 +10084,20 @@
             <p:ph type="title"/>
           </p:nvPr>
         </p:nvSpPr>
-        <p:spPr/>
+        <p:spPr>
+          <a:xfrm>
+            <a:off x="5029200" y="999068"/>
+            <a:ext cx="6877050" cy="645284"/>
+          </a:xfrm>
+        </p:spPr>
         <p:txBody>
           <a:bodyPr/>
           <a:lstStyle/>
           <a:p>
+            <a:pPr algn="ctr"/>
             <a:r>
               <a:rPr lang="en-US" dirty="0"/>
-              <a:t>Thank you</a:t>
+              <a:t>Thank you for listening</a:t>
             </a:r>
           </a:p>
         </p:txBody>
@@ -11798,7 +11802,7 @@
           <a:p>
             <a:r>
               <a:rPr lang="en-US" dirty="0"/>
-              <a:t>Where Bias Can Happen?</a:t>
+              <a:t>But ..Where Bias Happens in ML?</a:t>
             </a:r>
           </a:p>
         </p:txBody>
